--- a/memo/100knocks.pptx
+++ b/memo/100knocks.pptx
@@ -3461,7 +3461,7 @@
           </a:ln>
           <a:extLst>
             <a:ext uri="{C572A759-6A51-4108-AA02-DFA0A04FC94B}">
-              <ma14:wrappingTextBoxFlag xmlns:ma14="http://schemas.microsoft.com/office/mac/drawingml/2011/main" xmlns="" val="1"/>
+              <ma14:wrappingTextBoxFlag xmlns="" xmlns:ma14="http://schemas.microsoft.com/office/mac/drawingml/2011/main" val="1"/>
             </a:ext>
           </a:extLst>
         </p:spPr>
@@ -3713,7 +3713,7 @@
           </a:ln>
           <a:extLst>
             <a:ext uri="{C572A759-6A51-4108-AA02-DFA0A04FC94B}">
-              <ma14:wrappingTextBoxFlag xmlns:ma14="http://schemas.microsoft.com/office/mac/drawingml/2011/main" xmlns="" val="1"/>
+              <ma14:wrappingTextBoxFlag xmlns="" xmlns:ma14="http://schemas.microsoft.com/office/mac/drawingml/2011/main" val="1"/>
             </a:ext>
           </a:extLst>
         </p:spPr>
@@ -3950,7 +3950,7 @@
             </a:ln>
             <a:extLst>
               <a:ext uri="{C572A759-6A51-4108-AA02-DFA0A04FC94B}">
-                <ma14:wrappingTextBoxFlag xmlns:ma14="http://schemas.microsoft.com/office/mac/drawingml/2011/main" xmlns="" val="1"/>
+                <ma14:wrappingTextBoxFlag xmlns="" xmlns:ma14="http://schemas.microsoft.com/office/mac/drawingml/2011/main" val="1"/>
               </a:ext>
             </a:extLst>
           </p:spPr>
@@ -4020,7 +4020,7 @@
             </a:ln>
             <a:extLst>
               <a:ext uri="{C572A759-6A51-4108-AA02-DFA0A04FC94B}">
-                <ma14:wrappingTextBoxFlag xmlns:ma14="http://schemas.microsoft.com/office/mac/drawingml/2011/main" xmlns="" val="1"/>
+                <ma14:wrappingTextBoxFlag xmlns="" xmlns:ma14="http://schemas.microsoft.com/office/mac/drawingml/2011/main" val="1"/>
               </a:ext>
             </a:extLst>
           </p:spPr>
@@ -4090,7 +4090,7 @@
             </a:ln>
             <a:extLst>
               <a:ext uri="{C572A759-6A51-4108-AA02-DFA0A04FC94B}">
-                <ma14:wrappingTextBoxFlag xmlns:ma14="http://schemas.microsoft.com/office/mac/drawingml/2011/main" xmlns="" val="1"/>
+                <ma14:wrappingTextBoxFlag xmlns="" xmlns:ma14="http://schemas.microsoft.com/office/mac/drawingml/2011/main" val="1"/>
               </a:ext>
             </a:extLst>
           </p:spPr>
@@ -4357,7 +4357,7 @@
           </a:ln>
           <a:extLst>
             <a:ext uri="{C572A759-6A51-4108-AA02-DFA0A04FC94B}">
-              <ma14:wrappingTextBoxFlag xmlns:ma14="http://schemas.microsoft.com/office/mac/drawingml/2011/main" xmlns="" val="1"/>
+              <ma14:wrappingTextBoxFlag xmlns="" xmlns:ma14="http://schemas.microsoft.com/office/mac/drawingml/2011/main" val="1"/>
             </a:ext>
           </a:extLst>
         </p:spPr>
@@ -4609,7 +4609,7 @@
           </a:ln>
           <a:extLst>
             <a:ext uri="{C572A759-6A51-4108-AA02-DFA0A04FC94B}">
-              <ma14:wrappingTextBoxFlag xmlns:ma14="http://schemas.microsoft.com/office/mac/drawingml/2011/main" xmlns="" val="1"/>
+              <ma14:wrappingTextBoxFlag xmlns="" xmlns:ma14="http://schemas.microsoft.com/office/mac/drawingml/2011/main" val="1"/>
             </a:ext>
           </a:extLst>
         </p:spPr>
@@ -4826,7 +4826,7 @@
           </a:ln>
           <a:extLst>
             <a:ext uri="{C572A759-6A51-4108-AA02-DFA0A04FC94B}">
-              <ma14:wrappingTextBoxFlag xmlns:ma14="http://schemas.microsoft.com/office/mac/drawingml/2011/main" xmlns="" val="1"/>
+              <ma14:wrappingTextBoxFlag xmlns="" xmlns:ma14="http://schemas.microsoft.com/office/mac/drawingml/2011/main" val="1"/>
             </a:ext>
           </a:extLst>
         </p:spPr>
@@ -4898,7 +4898,7 @@
           </a:ln>
           <a:extLst>
             <a:ext uri="{C572A759-6A51-4108-AA02-DFA0A04FC94B}">
-              <ma14:wrappingTextBoxFlag xmlns:ma14="http://schemas.microsoft.com/office/mac/drawingml/2011/main" xmlns="" val="1"/>
+              <ma14:wrappingTextBoxFlag xmlns="" xmlns:ma14="http://schemas.microsoft.com/office/mac/drawingml/2011/main" val="1"/>
             </a:ext>
           </a:extLst>
         </p:spPr>
@@ -4968,7 +4968,7 @@
           </a:ln>
           <a:extLst>
             <a:ext uri="{C572A759-6A51-4108-AA02-DFA0A04FC94B}">
-              <ma14:wrappingTextBoxFlag xmlns:ma14="http://schemas.microsoft.com/office/mac/drawingml/2011/main" xmlns="" val="1"/>
+              <ma14:wrappingTextBoxFlag xmlns="" xmlns:ma14="http://schemas.microsoft.com/office/mac/drawingml/2011/main" val="1"/>
             </a:ext>
           </a:extLst>
         </p:spPr>
@@ -5229,7 +5229,7 @@
           </a:ln>
           <a:extLst>
             <a:ext uri="{C572A759-6A51-4108-AA02-DFA0A04FC94B}">
-              <ma14:wrappingTextBoxFlag xmlns:ma14="http://schemas.microsoft.com/office/mac/drawingml/2011/main" xmlns="" val="1"/>
+              <ma14:wrappingTextBoxFlag xmlns="" xmlns:ma14="http://schemas.microsoft.com/office/mac/drawingml/2011/main" val="1"/>
             </a:ext>
           </a:extLst>
         </p:spPr>
@@ -5481,7 +5481,7 @@
           </a:ln>
           <a:extLst>
             <a:ext uri="{C572A759-6A51-4108-AA02-DFA0A04FC94B}">
-              <ma14:wrappingTextBoxFlag xmlns:ma14="http://schemas.microsoft.com/office/mac/drawingml/2011/main" xmlns="" val="1"/>
+              <ma14:wrappingTextBoxFlag xmlns="" xmlns:ma14="http://schemas.microsoft.com/office/mac/drawingml/2011/main" val="1"/>
             </a:ext>
           </a:extLst>
         </p:spPr>
@@ -5698,7 +5698,7 @@
           </a:ln>
           <a:extLst>
             <a:ext uri="{C572A759-6A51-4108-AA02-DFA0A04FC94B}">
-              <ma14:wrappingTextBoxFlag xmlns:ma14="http://schemas.microsoft.com/office/mac/drawingml/2011/main" xmlns="" val="1"/>
+              <ma14:wrappingTextBoxFlag xmlns="" xmlns:ma14="http://schemas.microsoft.com/office/mac/drawingml/2011/main" val="1"/>
             </a:ext>
           </a:extLst>
         </p:spPr>
@@ -5768,7 +5768,7 @@
           </a:ln>
           <a:extLst>
             <a:ext uri="{C572A759-6A51-4108-AA02-DFA0A04FC94B}">
-              <ma14:wrappingTextBoxFlag xmlns:ma14="http://schemas.microsoft.com/office/mac/drawingml/2011/main" xmlns="" val="1"/>
+              <ma14:wrappingTextBoxFlag xmlns="" xmlns:ma14="http://schemas.microsoft.com/office/mac/drawingml/2011/main" val="1"/>
             </a:ext>
           </a:extLst>
         </p:spPr>
@@ -5840,7 +5840,7 @@
           </a:ln>
           <a:extLst>
             <a:ext uri="{C572A759-6A51-4108-AA02-DFA0A04FC94B}">
-              <ma14:wrappingTextBoxFlag xmlns:ma14="http://schemas.microsoft.com/office/mac/drawingml/2011/main" xmlns="" val="1"/>
+              <ma14:wrappingTextBoxFlag xmlns="" xmlns:ma14="http://schemas.microsoft.com/office/mac/drawingml/2011/main" val="1"/>
             </a:ext>
           </a:extLst>
         </p:spPr>
@@ -7707,7 +7707,7 @@
         </p:nvSpPr>
         <p:spPr>
           <a:xfrm>
-            <a:off x="396664" y="287066"/>
+            <a:off x="396664" y="34514"/>
             <a:ext cx="11055638" cy="1597490"/>
           </a:xfrm>
           <a:prstGeom prst="rect">
@@ -7727,7 +7727,7 @@
           </a:ln>
           <a:extLst>
             <a:ext uri="{C572A759-6A51-4108-AA02-DFA0A04FC94B}">
-              <ma14:wrappingTextBoxFlag xmlns:ma14="http://schemas.microsoft.com/office/mac/drawingml/2011/main" xmlns="" val="1"/>
+              <ma14:wrappingTextBoxFlag xmlns="" xmlns:ma14="http://schemas.microsoft.com/office/mac/drawingml/2011/main" val="1"/>
             </a:ext>
           </a:extLst>
         </p:spPr>
@@ -7754,7 +7754,7 @@
         </p:nvSpPr>
         <p:spPr>
           <a:xfrm>
-            <a:off x="4329859" y="982348"/>
+            <a:off x="4329859" y="729796"/>
             <a:ext cx="3189248" cy="674649"/>
           </a:xfrm>
           <a:prstGeom prst="rect">
@@ -7772,7 +7772,7 @@
           </a:ln>
           <a:extLst>
             <a:ext uri="{C572A759-6A51-4108-AA02-DFA0A04FC94B}">
-              <ma14:wrappingTextBoxFlag xmlns:ma14="http://schemas.microsoft.com/office/mac/drawingml/2011/main" xmlns="" val="1"/>
+              <ma14:wrappingTextBoxFlag xmlns="" xmlns:ma14="http://schemas.microsoft.com/office/mac/drawingml/2011/main" val="1"/>
             </a:ext>
           </a:extLst>
         </p:spPr>
@@ -7829,7 +7829,7 @@
         </p:nvSpPr>
         <p:spPr>
           <a:xfrm>
-            <a:off x="4329859" y="351267"/>
+            <a:off x="4329859" y="98715"/>
             <a:ext cx="3189248" cy="674649"/>
           </a:xfrm>
           <a:prstGeom prst="rect">
@@ -7847,7 +7847,433 @@
           </a:ln>
           <a:extLst>
             <a:ext uri="{C572A759-6A51-4108-AA02-DFA0A04FC94B}">
-              <ma14:wrappingTextBoxFlag xmlns:ma14="http://schemas.microsoft.com/office/mac/drawingml/2011/main" xmlns="" val="1"/>
+              <ma14:wrappingTextBoxFlag xmlns="" xmlns:ma14="http://schemas.microsoft.com/office/mac/drawingml/2011/main" val="1"/>
+            </a:ext>
+          </a:extLst>
+        </p:spPr>
+        <p:txBody>
+          <a:bodyPr lIns="0" tIns="0" rIns="0" bIns="0" rtlCol="0" anchor="ctr"/>
+          <a:lstStyle/>
+          <a:p>
+            <a:pPr algn="ctr"/>
+            <a:r>
+              <a:rPr kumimoji="1" lang="en-US" altLang="ja-JP" sz="2800" b="1">
+                <a:solidFill>
+                  <a:schemeClr val="tx1">
+                    <a:lumMod val="65000"/>
+                    <a:lumOff val="35000"/>
+                  </a:schemeClr>
+                </a:solidFill>
+                <a:effectLst>
+                  <a:outerShdw dist="63580" dir="780000" sx="102000" sy="102000" algn="tl" rotWithShape="0">
+                    <a:prstClr val="black">
+                      <a:alpha val="0"/>
+                    </a:prstClr>
+                  </a:outerShdw>
+                </a:effectLst>
+                <a:latin typeface="Noto Sans JP" panose="020B0200000000000000" pitchFamily="34" charset="-128"/>
+                <a:ea typeface="Noto Sans JP" panose="020B0200000000000000" pitchFamily="34" charset="-128"/>
+                <a:cs typeface="Noto Sans Display" panose="020B0502040504020204" pitchFamily="34" charset="0"/>
+              </a:rPr>
+              <a:t>R+SQL </a:t>
+            </a:r>
+            <a:r>
+              <a:rPr kumimoji="1" lang="ja-JP" altLang="en-US" sz="2800" b="1">
+                <a:solidFill>
+                  <a:schemeClr val="tx1">
+                    <a:lumMod val="65000"/>
+                    <a:lumOff val="35000"/>
+                  </a:schemeClr>
+                </a:solidFill>
+                <a:effectLst>
+                  <a:outerShdw dist="63580" dir="780000" sx="102000" sy="102000" algn="tl" rotWithShape="0">
+                    <a:prstClr val="black">
+                      <a:alpha val="0"/>
+                    </a:prstClr>
+                  </a:outerShdw>
+                </a:effectLst>
+                <a:latin typeface="Noto Sans JP" panose="020B0200000000000000" pitchFamily="34" charset="-128"/>
+                <a:ea typeface="Noto Sans JP" panose="020B0200000000000000" pitchFamily="34" charset="-128"/>
+                <a:cs typeface="Noto Sans Display" panose="020B0502040504020204" pitchFamily="34" charset="0"/>
+              </a:rPr>
+              <a:t>問題集</a:t>
+            </a:r>
+          </a:p>
+        </p:txBody>
+      </p:sp>
+      <p:sp>
+        <p:nvSpPr>
+          <p:cNvPr id="2" name="正方形/長方形 1">
+            <a:extLst>
+              <a:ext uri="{FF2B5EF4-FFF2-40B4-BE49-F238E27FC236}">
+                <a16:creationId xmlns:a16="http://schemas.microsoft.com/office/drawing/2014/main" id="{146938AB-0EF3-0FB2-DBB0-105CE9E96E62}"/>
+              </a:ext>
+            </a:extLst>
+          </p:cNvPr>
+          <p:cNvSpPr/>
+          <p:nvPr/>
+        </p:nvSpPr>
+        <p:spPr>
+          <a:xfrm>
+            <a:off x="326995" y="2011360"/>
+            <a:ext cx="11055638" cy="1597490"/>
+          </a:xfrm>
+          <a:prstGeom prst="rect">
+            <a:avLst/>
+          </a:prstGeom>
+          <a:pattFill prst="pct10">
+            <a:fgClr>
+              <a:schemeClr val="accent4">
+                <a:lumMod val="60000"/>
+                <a:lumOff val="40000"/>
+              </a:schemeClr>
+            </a:fgClr>
+            <a:bgClr>
+              <a:schemeClr val="bg1"/>
+            </a:bgClr>
+          </a:pattFill>
+          <a:ln w="12700">
+            <a:noFill/>
+            <a:miter lim="400000"/>
+          </a:ln>
+          <a:extLst>
+            <a:ext uri="{C572A759-6A51-4108-AA02-DFA0A04FC94B}">
+              <ma14:wrappingTextBoxFlag xmlns="" xmlns:ma14="http://schemas.microsoft.com/office/mac/drawingml/2011/main" val="1"/>
+            </a:ext>
+          </a:extLst>
+        </p:spPr>
+        <p:txBody>
+          <a:bodyPr rtlCol="0" anchor="ctr"/>
+          <a:lstStyle/>
+          <a:p>
+            <a:pPr algn="ctr"/>
+            <a:endParaRPr kumimoji="1" lang="ja-JP" altLang="en-US"/>
+          </a:p>
+        </p:txBody>
+      </p:sp>
+      <p:sp>
+        <p:nvSpPr>
+          <p:cNvPr id="5" name="正方形/長方形 4">
+            <a:extLst>
+              <a:ext uri="{FF2B5EF4-FFF2-40B4-BE49-F238E27FC236}">
+                <a16:creationId xmlns:a16="http://schemas.microsoft.com/office/drawing/2014/main" id="{AE043892-27E5-E3BE-D84A-4ED0E82C021B}"/>
+              </a:ext>
+            </a:extLst>
+          </p:cNvPr>
+          <p:cNvSpPr/>
+          <p:nvPr/>
+        </p:nvSpPr>
+        <p:spPr>
+          <a:xfrm>
+            <a:off x="4260190" y="2706642"/>
+            <a:ext cx="3189248" cy="674649"/>
+          </a:xfrm>
+          <a:prstGeom prst="rect">
+            <a:avLst/>
+          </a:prstGeom>
+          <a:solidFill>
+            <a:schemeClr val="bg1">
+              <a:lumMod val="95000"/>
+              <a:alpha val="0"/>
+            </a:schemeClr>
+          </a:solidFill>
+          <a:ln w="12700">
+            <a:noFill/>
+            <a:miter lim="400000"/>
+          </a:ln>
+          <a:extLst>
+            <a:ext uri="{C572A759-6A51-4108-AA02-DFA0A04FC94B}">
+              <ma14:wrappingTextBoxFlag xmlns="" xmlns:ma14="http://schemas.microsoft.com/office/mac/drawingml/2011/main" val="1"/>
+            </a:ext>
+          </a:extLst>
+        </p:spPr>
+        <p:txBody>
+          <a:bodyPr lIns="0" tIns="0" rIns="0" bIns="0" rtlCol="0" anchor="ctr"/>
+          <a:lstStyle/>
+          <a:p>
+            <a:pPr algn="ctr"/>
+            <a:r>
+              <a:rPr lang="ja-JP" altLang="en-US" sz="3600" b="1">
+                <a:solidFill>
+                  <a:srgbClr val="7030A0"/>
+                </a:solidFill>
+                <a:effectLst>
+                  <a:outerShdw dir="1691600" algn="tl" rotWithShape="0">
+                    <a:prstClr val="black">
+                      <a:alpha val="0"/>
+                    </a:prstClr>
+                  </a:outerShdw>
+                </a:effectLst>
+                <a:latin typeface="Noto Sans JP" panose="020B0200000000000000" pitchFamily="34" charset="-128"/>
+                <a:ea typeface="Noto Sans JP" panose="020B0200000000000000" pitchFamily="34" charset="-128"/>
+              </a:rPr>
+              <a:t>発展編</a:t>
+            </a:r>
+            <a:endParaRPr kumimoji="1" lang="ja-JP" altLang="en-US" sz="3600" b="1">
+              <a:solidFill>
+                <a:srgbClr val="7030A0"/>
+              </a:solidFill>
+              <a:effectLst>
+                <a:outerShdw dir="1691600" algn="tl" rotWithShape="0">
+                  <a:prstClr val="black">
+                    <a:alpha val="0"/>
+                  </a:prstClr>
+                </a:outerShdw>
+              </a:effectLst>
+              <a:latin typeface="Noto Sans JP" panose="020B0200000000000000" pitchFamily="34" charset="-128"/>
+              <a:ea typeface="Noto Sans JP" panose="020B0200000000000000" pitchFamily="34" charset="-128"/>
+            </a:endParaRPr>
+          </a:p>
+        </p:txBody>
+      </p:sp>
+      <p:sp>
+        <p:nvSpPr>
+          <p:cNvPr id="7" name="正方形/長方形 6">
+            <a:extLst>
+              <a:ext uri="{FF2B5EF4-FFF2-40B4-BE49-F238E27FC236}">
+                <a16:creationId xmlns:a16="http://schemas.microsoft.com/office/drawing/2014/main" id="{454563BB-1025-829F-07F2-B036BD2ABE20}"/>
+              </a:ext>
+            </a:extLst>
+          </p:cNvPr>
+          <p:cNvSpPr/>
+          <p:nvPr/>
+        </p:nvSpPr>
+        <p:spPr>
+          <a:xfrm>
+            <a:off x="4260190" y="2075561"/>
+            <a:ext cx="3189248" cy="674649"/>
+          </a:xfrm>
+          <a:prstGeom prst="rect">
+            <a:avLst/>
+          </a:prstGeom>
+          <a:solidFill>
+            <a:schemeClr val="bg1">
+              <a:lumMod val="95000"/>
+              <a:alpha val="0"/>
+            </a:schemeClr>
+          </a:solidFill>
+          <a:ln w="12700">
+            <a:noFill/>
+            <a:miter lim="400000"/>
+          </a:ln>
+          <a:extLst>
+            <a:ext uri="{C572A759-6A51-4108-AA02-DFA0A04FC94B}">
+              <ma14:wrappingTextBoxFlag xmlns="" xmlns:ma14="http://schemas.microsoft.com/office/mac/drawingml/2011/main" val="1"/>
+            </a:ext>
+          </a:extLst>
+        </p:spPr>
+        <p:txBody>
+          <a:bodyPr lIns="0" tIns="0" rIns="0" bIns="0" rtlCol="0" anchor="ctr"/>
+          <a:lstStyle/>
+          <a:p>
+            <a:pPr algn="ctr"/>
+            <a:r>
+              <a:rPr kumimoji="1" lang="en-US" altLang="ja-JP" sz="2800" b="1">
+                <a:solidFill>
+                  <a:schemeClr val="tx1">
+                    <a:lumMod val="65000"/>
+                    <a:lumOff val="35000"/>
+                  </a:schemeClr>
+                </a:solidFill>
+                <a:effectLst>
+                  <a:outerShdw dist="63580" dir="780000" sx="102000" sy="102000" algn="tl" rotWithShape="0">
+                    <a:prstClr val="black">
+                      <a:alpha val="0"/>
+                    </a:prstClr>
+                  </a:outerShdw>
+                </a:effectLst>
+                <a:latin typeface="Noto Sans JP" panose="020B0200000000000000" pitchFamily="34" charset="-128"/>
+                <a:ea typeface="Noto Sans JP" panose="020B0200000000000000" pitchFamily="34" charset="-128"/>
+                <a:cs typeface="Noto Sans Display" panose="020B0502040504020204" pitchFamily="34" charset="0"/>
+              </a:rPr>
+              <a:t>R+SQL </a:t>
+            </a:r>
+            <a:r>
+              <a:rPr kumimoji="1" lang="ja-JP" altLang="en-US" sz="2800" b="1">
+                <a:solidFill>
+                  <a:schemeClr val="tx1">
+                    <a:lumMod val="65000"/>
+                    <a:lumOff val="35000"/>
+                  </a:schemeClr>
+                </a:solidFill>
+                <a:effectLst>
+                  <a:outerShdw dist="63580" dir="780000" sx="102000" sy="102000" algn="tl" rotWithShape="0">
+                    <a:prstClr val="black">
+                      <a:alpha val="0"/>
+                    </a:prstClr>
+                  </a:outerShdw>
+                </a:effectLst>
+                <a:latin typeface="Noto Sans JP" panose="020B0200000000000000" pitchFamily="34" charset="-128"/>
+                <a:ea typeface="Noto Sans JP" panose="020B0200000000000000" pitchFamily="34" charset="-128"/>
+                <a:cs typeface="Noto Sans Display" panose="020B0502040504020204" pitchFamily="34" charset="0"/>
+              </a:rPr>
+              <a:t>問題集</a:t>
+            </a:r>
+          </a:p>
+        </p:txBody>
+      </p:sp>
+      <p:sp>
+        <p:nvSpPr>
+          <p:cNvPr id="8" name="正方形/長方形 7">
+            <a:extLst>
+              <a:ext uri="{FF2B5EF4-FFF2-40B4-BE49-F238E27FC236}">
+                <a16:creationId xmlns:a16="http://schemas.microsoft.com/office/drawing/2014/main" id="{C89BB324-FA43-B6CE-939E-8024DABD7EC0}"/>
+              </a:ext>
+            </a:extLst>
+          </p:cNvPr>
+          <p:cNvSpPr/>
+          <p:nvPr/>
+        </p:nvSpPr>
+        <p:spPr>
+          <a:xfrm>
+            <a:off x="326995" y="4219302"/>
+            <a:ext cx="11055638" cy="1597490"/>
+          </a:xfrm>
+          <a:prstGeom prst="rect">
+            <a:avLst/>
+          </a:prstGeom>
+          <a:pattFill prst="pct10">
+            <a:fgClr>
+              <a:schemeClr val="accent6">
+                <a:lumMod val="60000"/>
+                <a:lumOff val="40000"/>
+              </a:schemeClr>
+            </a:fgClr>
+            <a:bgClr>
+              <a:schemeClr val="bg1"/>
+            </a:bgClr>
+          </a:pattFill>
+          <a:ln w="12700">
+            <a:noFill/>
+            <a:miter lim="400000"/>
+          </a:ln>
+          <a:extLst>
+            <a:ext uri="{C572A759-6A51-4108-AA02-DFA0A04FC94B}">
+              <ma14:wrappingTextBoxFlag xmlns="" xmlns:ma14="http://schemas.microsoft.com/office/mac/drawingml/2011/main" val="1"/>
+            </a:ext>
+          </a:extLst>
+        </p:spPr>
+        <p:txBody>
+          <a:bodyPr rtlCol="0" anchor="ctr"/>
+          <a:lstStyle/>
+          <a:p>
+            <a:pPr algn="ctr"/>
+            <a:endParaRPr kumimoji="1" lang="ja-JP" altLang="en-US"/>
+          </a:p>
+        </p:txBody>
+      </p:sp>
+      <p:sp>
+        <p:nvSpPr>
+          <p:cNvPr id="9" name="正方形/長方形 8">
+            <a:extLst>
+              <a:ext uri="{FF2B5EF4-FFF2-40B4-BE49-F238E27FC236}">
+                <a16:creationId xmlns:a16="http://schemas.microsoft.com/office/drawing/2014/main" id="{C5671176-5E36-9EFC-C1A0-84268AED912B}"/>
+              </a:ext>
+            </a:extLst>
+          </p:cNvPr>
+          <p:cNvSpPr/>
+          <p:nvPr/>
+        </p:nvSpPr>
+        <p:spPr>
+          <a:xfrm>
+            <a:off x="4260190" y="4914584"/>
+            <a:ext cx="3189248" cy="674649"/>
+          </a:xfrm>
+          <a:prstGeom prst="rect">
+            <a:avLst/>
+          </a:prstGeom>
+          <a:solidFill>
+            <a:schemeClr val="bg1">
+              <a:lumMod val="95000"/>
+              <a:alpha val="0"/>
+            </a:schemeClr>
+          </a:solidFill>
+          <a:ln w="12700">
+            <a:noFill/>
+            <a:miter lim="400000"/>
+          </a:ln>
+          <a:extLst>
+            <a:ext uri="{C572A759-6A51-4108-AA02-DFA0A04FC94B}">
+              <ma14:wrappingTextBoxFlag xmlns="" xmlns:ma14="http://schemas.microsoft.com/office/mac/drawingml/2011/main" val="1"/>
+            </a:ext>
+          </a:extLst>
+        </p:spPr>
+        <p:txBody>
+          <a:bodyPr lIns="0" tIns="0" rIns="0" bIns="0" rtlCol="0" anchor="ctr"/>
+          <a:lstStyle/>
+          <a:p>
+            <a:pPr algn="ctr"/>
+            <a:r>
+              <a:rPr lang="ja-JP" altLang="en-US" sz="3600" b="1">
+                <a:solidFill>
+                  <a:schemeClr val="accent6">
+                    <a:lumMod val="75000"/>
+                  </a:schemeClr>
+                </a:solidFill>
+                <a:effectLst>
+                  <a:outerShdw dir="1691600" algn="tl" rotWithShape="0">
+                    <a:prstClr val="black">
+                      <a:alpha val="0"/>
+                    </a:prstClr>
+                  </a:outerShdw>
+                </a:effectLst>
+                <a:latin typeface="Noto Sans JP" panose="020B0200000000000000" pitchFamily="34" charset="-128"/>
+                <a:ea typeface="Noto Sans JP" panose="020B0200000000000000" pitchFamily="34" charset="-128"/>
+              </a:rPr>
+              <a:t>挑戦編</a:t>
+            </a:r>
+            <a:endParaRPr kumimoji="1" lang="ja-JP" altLang="en-US" sz="3600" b="1">
+              <a:solidFill>
+                <a:schemeClr val="accent6">
+                  <a:lumMod val="75000"/>
+                </a:schemeClr>
+              </a:solidFill>
+              <a:effectLst>
+                <a:outerShdw dir="1691600" algn="tl" rotWithShape="0">
+                  <a:prstClr val="black">
+                    <a:alpha val="0"/>
+                  </a:prstClr>
+                </a:outerShdw>
+              </a:effectLst>
+              <a:latin typeface="Noto Sans JP" panose="020B0200000000000000" pitchFamily="34" charset="-128"/>
+              <a:ea typeface="Noto Sans JP" panose="020B0200000000000000" pitchFamily="34" charset="-128"/>
+            </a:endParaRPr>
+          </a:p>
+        </p:txBody>
+      </p:sp>
+      <p:sp>
+        <p:nvSpPr>
+          <p:cNvPr id="10" name="正方形/長方形 9">
+            <a:extLst>
+              <a:ext uri="{FF2B5EF4-FFF2-40B4-BE49-F238E27FC236}">
+                <a16:creationId xmlns:a16="http://schemas.microsoft.com/office/drawing/2014/main" id="{F66FFE55-252A-97B4-51BE-98C4BAA14236}"/>
+              </a:ext>
+            </a:extLst>
+          </p:cNvPr>
+          <p:cNvSpPr/>
+          <p:nvPr/>
+        </p:nvSpPr>
+        <p:spPr>
+          <a:xfrm>
+            <a:off x="4260190" y="4283503"/>
+            <a:ext cx="3189248" cy="674649"/>
+          </a:xfrm>
+          <a:prstGeom prst="rect">
+            <a:avLst/>
+          </a:prstGeom>
+          <a:solidFill>
+            <a:schemeClr val="bg1">
+              <a:lumMod val="95000"/>
+              <a:alpha val="0"/>
+            </a:schemeClr>
+          </a:solidFill>
+          <a:ln w="12700">
+            <a:noFill/>
+            <a:miter lim="400000"/>
+          </a:ln>
+          <a:extLst>
+            <a:ext uri="{C572A759-6A51-4108-AA02-DFA0A04FC94B}">
+              <ma14:wrappingTextBoxFlag xmlns="" xmlns:ma14="http://schemas.microsoft.com/office/mac/drawingml/2011/main" val="1"/>
             </a:ext>
           </a:extLst>
         </p:spPr>
@@ -8148,7 +8574,7 @@
         </a:ln>
         <a:extLst>
           <a:ext uri="{C572A759-6A51-4108-AA02-DFA0A04FC94B}">
-            <ma14:wrappingTextBoxFlag xmlns:ma14="http://schemas.microsoft.com/office/mac/drawingml/2011/main" xmlns="" xmlns:r="http://schemas.openxmlformats.org/officeDocument/2006/relationships" xmlns:p="http://schemas.openxmlformats.org/presentationml/2006/main" val="1"/>
+            <ma14:wrappingTextBoxFlag xmlns:p="http://schemas.openxmlformats.org/presentationml/2006/main" xmlns:r="http://schemas.openxmlformats.org/officeDocument/2006/relationships" xmlns="" xmlns:ma14="http://schemas.microsoft.com/office/mac/drawingml/2011/main" val="1"/>
           </a:ext>
         </a:extLst>
       </a:spPr>
